--- a/PPT FWD TNSDC 2025.pptx
+++ b/PPT FWD TNSDC 2025.pptx
@@ -226,7 +226,7 @@
           <a:p>
             <a:fld id="{84B86612-B127-4CD0-BF15-66D49A7175F7}" type="datetimeFigureOut">
               <a:rPr lang="en-IN" smtClean="0"/>
-              <a:t>29-08-2025</a:t>
+              <a:t>02-09-2025</a:t>
             </a:fld>
             <a:endParaRPr lang="en-IN"/>
           </a:p>
@@ -723,7 +723,7 @@
           <a:p>
             <a:fld id="{1D8BD707-D9CF-40AE-B4C6-C98DA3205C09}" type="datetimeFigureOut">
               <a:rPr lang="en-US"/>
-              <a:t>8/29/2025</a:t>
+              <a:t>9/2/2025</a:t>
             </a:fld>
             <a:endParaRPr lang="en-US"/>
           </a:p>
@@ -903,7 +903,7 @@
           <a:p>
             <a:fld id="{1D8BD707-D9CF-40AE-B4C6-C98DA3205C09}" type="datetimeFigureOut">
               <a:rPr lang="en-US"/>
-              <a:t>8/29/2025</a:t>
+              <a:t>9/2/2025</a:t>
             </a:fld>
             <a:endParaRPr lang="en-US"/>
           </a:p>
@@ -1126,7 +1126,7 @@
           <a:p>
             <a:fld id="{1D8BD707-D9CF-40AE-B4C6-C98DA3205C09}" type="datetimeFigureOut">
               <a:rPr lang="en-US"/>
-              <a:t>8/29/2025</a:t>
+              <a:t>9/2/2025</a:t>
             </a:fld>
             <a:endParaRPr lang="en-US"/>
           </a:p>
@@ -1283,7 +1283,7 @@
           <a:p>
             <a:fld id="{1D8BD707-D9CF-40AE-B4C6-C98DA3205C09}" type="datetimeFigureOut">
               <a:rPr lang="en-US"/>
-              <a:t>8/29/2025</a:t>
+              <a:t>9/2/2025</a:t>
             </a:fld>
             <a:endParaRPr lang="en-US"/>
           </a:p>
@@ -1411,7 +1411,7 @@
           <a:p>
             <a:fld id="{1D8BD707-D9CF-40AE-B4C6-C98DA3205C09}" type="datetimeFigureOut">
               <a:rPr lang="en-US"/>
-              <a:t>8/29/2025</a:t>
+              <a:t>9/2/2025</a:t>
             </a:fld>
             <a:endParaRPr lang="en-US"/>
           </a:p>
@@ -2130,7 +2130,7 @@
           <a:p>
             <a:fld id="{1D8BD707-D9CF-40AE-B4C6-C98DA3205C09}" type="datetimeFigureOut">
               <a:rPr lang="en-US"/>
-              <a:t>8/29/2025</a:t>
+              <a:t>9/2/2025</a:t>
             </a:fld>
             <a:endParaRPr lang="en-US"/>
           </a:p>
@@ -2746,7 +2746,7 @@
           <a:p>
             <a:r>
               <a:rPr lang="en-US" sz="2400" dirty="0"/>
-              <a:t>REGISTER NO AND NMID: 222407871</a:t>
+              <a:t>REGISTER NO AND NMID: 222407871/autunm1455ds242711</a:t>
             </a:r>
             <a:endParaRPr lang="en-US" sz="2400" dirty="0">
               <a:cs typeface="Calibri"/>
